--- a/Document/PR　プレゼン/pr prezen_ver.2.pptx
+++ b/Document/PR　プレゼン/pr prezen_ver.2.pptx
@@ -32127,130 +32127,50 @@
           </a:p>
         </p:txBody>
       </p:sp>
-      <p:grpSp>
-        <p:nvGrpSpPr>
-          <p:cNvPr id="39" name="グループ化 38">
+      <p:pic>
+        <p:nvPicPr>
+          <p:cNvPr id="38" name="図 37" descr="黒い背景と白い文字&#10;&#10;自動的に生成された説明">
             <a:extLst>
               <a:ext uri="{FF2B5EF4-FFF2-40B4-BE49-F238E27FC236}">
-                <a16:creationId xmlns:a16="http://schemas.microsoft.com/office/drawing/2014/main" id="{7DD8B8AA-3D75-490E-8738-AF6D2DF194E4}"/>
+                <a16:creationId xmlns:a16="http://schemas.microsoft.com/office/drawing/2014/main" id="{1F592058-E7A4-4C3A-8C50-4BC65C81564F}"/>
               </a:ext>
             </a:extLst>
           </p:cNvPr>
-          <p:cNvGrpSpPr/>
+          <p:cNvPicPr>
+            <a:picLocks noChangeAspect="1"/>
+          </p:cNvPicPr>
           <p:nvPr/>
-        </p:nvGrpSpPr>
-        <p:grpSpPr>
+        </p:nvPicPr>
+        <p:blipFill>
+          <a:blip r:embed="rId3">
+            <a:extLst>
+              <a:ext uri="{28A0092B-C50C-407E-A947-70E740481C1C}">
+                <a14:useLocalDpi xmlns:a14="http://schemas.microsoft.com/office/drawing/2010/main" val="0"/>
+              </a:ext>
+            </a:extLst>
+          </a:blip>
+          <a:stretch>
+            <a:fillRect/>
+          </a:stretch>
+        </p:blipFill>
+        <p:spPr>
           <a:xfrm>
             <a:off x="7036475" y="224627"/>
             <a:ext cx="3285876" cy="3288404"/>
-            <a:chOff x="6975337" y="271119"/>
-            <a:chExt cx="3765737" cy="3768634"/>
           </a:xfrm>
-        </p:grpSpPr>
-        <p:pic>
-          <p:nvPicPr>
-            <p:cNvPr id="38" name="図 37" descr="黒い背景と白い文字&#10;&#10;自動的に生成された説明">
-              <a:extLst>
-                <a:ext uri="{FF2B5EF4-FFF2-40B4-BE49-F238E27FC236}">
-                  <a16:creationId xmlns:a16="http://schemas.microsoft.com/office/drawing/2014/main" id="{1F592058-E7A4-4C3A-8C50-4BC65C81564F}"/>
-                </a:ext>
-              </a:extLst>
-            </p:cNvPr>
-            <p:cNvPicPr>
-              <a:picLocks noChangeAspect="1"/>
-            </p:cNvPicPr>
-            <p:nvPr/>
-          </p:nvPicPr>
-          <p:blipFill>
-            <a:blip r:embed="rId3">
-              <a:extLst>
-                <a:ext uri="{28A0092B-C50C-407E-A947-70E740481C1C}">
-                  <a14:useLocalDpi xmlns:a14="http://schemas.microsoft.com/office/drawing/2010/main" val="0"/>
-                </a:ext>
-              </a:extLst>
-            </a:blip>
-            <a:stretch>
-              <a:fillRect/>
-            </a:stretch>
-          </p:blipFill>
-          <p:spPr>
-            <a:xfrm>
-              <a:off x="6975337" y="271119"/>
-              <a:ext cx="3765737" cy="3768634"/>
-            </a:xfrm>
-            <a:prstGeom prst="rect">
-              <a:avLst/>
-            </a:prstGeom>
-            <a:effectLst>
-              <a:outerShdw dir="5400000" algn="ctr" rotWithShape="0">
-                <a:srgbClr val="000000">
-                  <a:alpha val="0"/>
-                </a:srgbClr>
-              </a:outerShdw>
-              <a:softEdge rad="0"/>
-            </a:effectLst>
-          </p:spPr>
-        </p:pic>
-        <p:pic>
-          <p:nvPicPr>
-            <p:cNvPr id="10" name="図 9" descr="コンピュータ, 記号, 時計 が含まれている画像&#10;&#10;自動的に生成された説明">
-              <a:extLst>
-                <a:ext uri="{FF2B5EF4-FFF2-40B4-BE49-F238E27FC236}">
-                  <a16:creationId xmlns:a16="http://schemas.microsoft.com/office/drawing/2014/main" id="{612CB162-A6F9-49C4-A912-5FA39A46C6F5}"/>
-                </a:ext>
-              </a:extLst>
-            </p:cNvPr>
-            <p:cNvPicPr>
-              <a:picLocks noChangeAspect="1"/>
-            </p:cNvPicPr>
-            <p:nvPr/>
-          </p:nvPicPr>
-          <p:blipFill rotWithShape="1">
-            <a:blip r:embed="rId4">
-              <a:extLst>
-                <a:ext uri="{28A0092B-C50C-407E-A947-70E740481C1C}">
-                  <a14:useLocalDpi xmlns:a14="http://schemas.microsoft.com/office/drawing/2010/main" val="0"/>
-                </a:ext>
-              </a:extLst>
-            </a:blip>
-            <a:srcRect l="16675" t="8156" r="16844" b="2912"/>
-            <a:stretch/>
-          </p:blipFill>
-          <p:spPr>
-            <a:xfrm>
-              <a:off x="7760888" y="514802"/>
-              <a:ext cx="2194633" cy="1651383"/>
-            </a:xfrm>
-            <a:prstGeom prst="ellipse">
-              <a:avLst/>
-            </a:prstGeom>
-            <a:ln w="63500" cap="rnd">
-              <a:solidFill>
-                <a:schemeClr val="tx1"/>
-              </a:solidFill>
-            </a:ln>
-            <a:effectLst>
-              <a:outerShdw blurRad="381000" dist="292100" dir="5400000" sx="-80000" sy="-18000" rotWithShape="0">
-                <a:srgbClr val="FF0000">
-                  <a:alpha val="22000"/>
-                </a:srgbClr>
-              </a:outerShdw>
-            </a:effectLst>
-            <a:scene3d>
-              <a:camera prst="orthographicFront"/>
-              <a:lightRig rig="contrasting" dir="t">
-                <a:rot lat="0" lon="0" rev="3000000"/>
-              </a:lightRig>
-            </a:scene3d>
-            <a:sp3d contourW="7620">
-              <a:bevelT w="95250" h="31750"/>
-              <a:contourClr>
-                <a:schemeClr val="tx1"/>
-              </a:contourClr>
-            </a:sp3d>
-          </p:spPr>
-        </p:pic>
-      </p:grpSp>
+          <a:prstGeom prst="rect">
+            <a:avLst/>
+          </a:prstGeom>
+          <a:effectLst>
+            <a:outerShdw dir="5400000" algn="ctr" rotWithShape="0">
+              <a:srgbClr val="000000">
+                <a:alpha val="0"/>
+              </a:srgbClr>
+            </a:outerShdw>
+            <a:softEdge rad="0"/>
+          </a:effectLst>
+        </p:spPr>
+      </p:pic>
       <p:sp>
         <p:nvSpPr>
           <p:cNvPr id="11" name="テキスト ボックス 10">
@@ -32345,6 +32265,66 @@
           </a:p>
         </p:txBody>
       </p:sp>
+      <p:pic>
+        <p:nvPicPr>
+          <p:cNvPr id="3" name="図 2" descr="フラグ, 記号, 凧 が含まれている画像&#10;&#10;自動的に生成された説明">
+            <a:extLst>
+              <a:ext uri="{FF2B5EF4-FFF2-40B4-BE49-F238E27FC236}">
+                <a16:creationId xmlns:a16="http://schemas.microsoft.com/office/drawing/2014/main" id="{E17C2468-46D4-469D-92E4-BF0105444537}"/>
+              </a:ext>
+            </a:extLst>
+          </p:cNvPr>
+          <p:cNvPicPr>
+            <a:picLocks noChangeAspect="1"/>
+          </p:cNvPicPr>
+          <p:nvPr/>
+        </p:nvPicPr>
+        <p:blipFill>
+          <a:blip r:embed="rId4">
+            <a:extLst>
+              <a:ext uri="{28A0092B-C50C-407E-A947-70E740481C1C}">
+                <a14:useLocalDpi xmlns:a14="http://schemas.microsoft.com/office/drawing/2010/main" val="0"/>
+              </a:ext>
+            </a:extLst>
+          </a:blip>
+          <a:stretch>
+            <a:fillRect/>
+          </a:stretch>
+        </p:blipFill>
+        <p:spPr>
+          <a:xfrm>
+            <a:off x="7715016" y="427879"/>
+            <a:ext cx="1928794" cy="1440950"/>
+          </a:xfrm>
+          <a:prstGeom prst="ellipse">
+            <a:avLst/>
+          </a:prstGeom>
+          <a:ln w="76200" cap="rnd">
+            <a:solidFill>
+              <a:schemeClr val="tx1"/>
+            </a:solidFill>
+          </a:ln>
+          <a:effectLst>
+            <a:outerShdw blurRad="381000" dist="292100" dir="5400000" sx="-80000" sy="-18000" rotWithShape="0">
+              <a:srgbClr val="FF0000">
+                <a:alpha val="22000"/>
+              </a:srgbClr>
+            </a:outerShdw>
+          </a:effectLst>
+          <a:scene3d>
+            <a:camera prst="orthographicFront"/>
+            <a:lightRig rig="contrasting" dir="t">
+              <a:rot lat="0" lon="0" rev="3000000"/>
+            </a:lightRig>
+          </a:scene3d>
+          <a:sp3d contourW="7620">
+            <a:bevelT w="95250" h="31750"/>
+            <a:contourClr>
+              <a:srgbClr val="333333"/>
+            </a:contourClr>
+          </a:sp3d>
+        </p:spPr>
+      </p:pic>
     </p:spTree>
     <p:extLst>
       <p:ext uri="{BB962C8B-B14F-4D97-AF65-F5344CB8AC3E}">
